--- a/docs/스크립트언어_텀프로젝트_최종발표.pptx
+++ b/docs/스크립트언어_텀프로젝트_최종발표.pptx
@@ -201,7 +201,7 @@
           <a:p>
             <a:fld id="{8CA61F9F-6888-4802-A2C7-1E67DFEB703B}" type="datetimeFigureOut">
               <a:rPr lang="ko-KR" altLang="en-US" smtClean="0"/>
-              <a:t>2024-06-06</a:t>
+              <a:t>2024-06-11</a:t>
             </a:fld>
             <a:endParaRPr lang="ko-KR" altLang="en-US"/>
           </a:p>
@@ -725,92 +725,7 @@
           <a:p>
             <a:r>
               <a:rPr lang="ko-KR" altLang="en-US" dirty="0"/>
-              <a:t>현재 개발 진행 상황은 </a:t>
-            </a:r>
-            <a:endParaRPr lang="en-US" altLang="ko-KR" dirty="0"/>
-          </a:p>
-          <a:p>
-            <a:r>
-              <a:rPr lang="ko-KR" altLang="en-US" dirty="0"/>
-              <a:t>지도 </a:t>
-            </a:r>
-            <a:r>
-              <a:rPr lang="ko-KR" altLang="en-US" dirty="0" err="1"/>
-              <a:t>불러오기랑</a:t>
-            </a:r>
-            <a:r>
-              <a:rPr lang="ko-KR" altLang="en-US" dirty="0"/>
-              <a:t> 지도에 위치표시</a:t>
-            </a:r>
-            <a:r>
-              <a:rPr lang="en-US" altLang="ko-KR" dirty="0"/>
-              <a:t>,</a:t>
-            </a:r>
-            <a:r>
-              <a:rPr lang="ko-KR" altLang="en-US" dirty="0"/>
-              <a:t> 그리고 그래프 출력</a:t>
-            </a:r>
-            <a:r>
-              <a:rPr lang="en-US" altLang="ko-KR" dirty="0"/>
-              <a:t>, </a:t>
-            </a:r>
-            <a:r>
-              <a:rPr lang="ko-KR" altLang="en-US" dirty="0"/>
-              <a:t>상세정보 표시</a:t>
-            </a:r>
-            <a:r>
-              <a:rPr lang="en-US" altLang="ko-KR" dirty="0"/>
-              <a:t>, </a:t>
-            </a:r>
-            <a:r>
-              <a:rPr lang="ko-KR" altLang="en-US" dirty="0"/>
-              <a:t>즐겨찾기 등 까지 완료한 </a:t>
-            </a:r>
-            <a:r>
-              <a:rPr lang="ko-KR" altLang="en-US" dirty="0" err="1"/>
-              <a:t>상태고</a:t>
-            </a:r>
-            <a:r>
-              <a:rPr lang="en-US" altLang="ko-KR" dirty="0"/>
-              <a:t>, </a:t>
-            </a:r>
-            <a:r>
-              <a:rPr lang="ko-KR" altLang="en-US" dirty="0"/>
-              <a:t>이메일 전송도 </a:t>
-            </a:r>
-            <a:r>
-              <a:rPr lang="en-US" altLang="ko-KR" dirty="0"/>
-              <a:t>50%</a:t>
-            </a:r>
-            <a:r>
-              <a:rPr lang="ko-KR" altLang="en-US" dirty="0"/>
-              <a:t>정도 구현이 완료됐습니다</a:t>
-            </a:r>
-            <a:r>
-              <a:rPr lang="en-US" altLang="ko-KR" dirty="0"/>
-              <a:t>.</a:t>
-            </a:r>
-          </a:p>
-          <a:p>
-            <a:r>
-              <a:rPr lang="ko-KR" altLang="en-US" dirty="0"/>
-              <a:t>남은 </a:t>
-            </a:r>
-            <a:r>
-              <a:rPr lang="en-US" altLang="ko-KR" dirty="0"/>
-              <a:t>4, 5</a:t>
-            </a:r>
-            <a:r>
-              <a:rPr lang="ko-KR" altLang="en-US" dirty="0"/>
-              <a:t>주차에는 선택한 충전소까지의 경로를 지도에 표시하는 기능이랑</a:t>
-            </a:r>
-            <a:r>
-              <a:rPr lang="en-US" altLang="ko-KR" dirty="0"/>
-              <a:t>, </a:t>
-            </a:r>
-            <a:r>
-              <a:rPr lang="ko-KR" altLang="en-US" dirty="0"/>
-              <a:t>충전기 정보를 표시 할 수 있도록 할 예정입니다</a:t>
+              <a:t>계획했던 사항들은 모두 개발 완료했습니다</a:t>
             </a:r>
             <a:r>
               <a:rPr lang="en-US" altLang="ko-KR" dirty="0"/>
@@ -1004,10 +919,10 @@
               <a:t>다음은 시연 영상입니다</a:t>
             </a:r>
             <a:r>
-              <a:rPr lang="en-US" altLang="ko-KR"/>
+              <a:rPr lang="en-US" altLang="ko-KR" dirty="0"/>
               <a:t>.</a:t>
             </a:r>
-            <a:endParaRPr lang="ko-KR" altLang="en-US"/>
+            <a:endParaRPr lang="ko-KR" altLang="en-US" dirty="0"/>
           </a:p>
         </p:txBody>
       </p:sp>
@@ -1194,7 +1109,7 @@
           <a:p>
             <a:fld id="{C54A8E84-6740-4F5D-A6B4-A31ACA1E9238}" type="datetimeFigureOut">
               <a:rPr lang="ko-KR" altLang="en-US" smtClean="0"/>
-              <a:t>2024-06-06</a:t>
+              <a:t>2024-06-11</a:t>
             </a:fld>
             <a:endParaRPr lang="ko-KR" altLang="en-US"/>
           </a:p>
@@ -1392,7 +1307,7 @@
           <a:p>
             <a:fld id="{C54A8E84-6740-4F5D-A6B4-A31ACA1E9238}" type="datetimeFigureOut">
               <a:rPr lang="ko-KR" altLang="en-US" smtClean="0"/>
-              <a:t>2024-06-06</a:t>
+              <a:t>2024-06-11</a:t>
             </a:fld>
             <a:endParaRPr lang="ko-KR" altLang="en-US"/>
           </a:p>
@@ -1600,7 +1515,7 @@
           <a:p>
             <a:fld id="{C54A8E84-6740-4F5D-A6B4-A31ACA1E9238}" type="datetimeFigureOut">
               <a:rPr lang="ko-KR" altLang="en-US" smtClean="0"/>
-              <a:t>2024-06-06</a:t>
+              <a:t>2024-06-11</a:t>
             </a:fld>
             <a:endParaRPr lang="ko-KR" altLang="en-US"/>
           </a:p>
@@ -1798,7 +1713,7 @@
           <a:p>
             <a:fld id="{C54A8E84-6740-4F5D-A6B4-A31ACA1E9238}" type="datetimeFigureOut">
               <a:rPr lang="ko-KR" altLang="en-US" smtClean="0"/>
-              <a:t>2024-06-06</a:t>
+              <a:t>2024-06-11</a:t>
             </a:fld>
             <a:endParaRPr lang="ko-KR" altLang="en-US"/>
           </a:p>
@@ -2073,7 +1988,7 @@
           <a:p>
             <a:fld id="{C54A8E84-6740-4F5D-A6B4-A31ACA1E9238}" type="datetimeFigureOut">
               <a:rPr lang="ko-KR" altLang="en-US" smtClean="0"/>
-              <a:t>2024-06-06</a:t>
+              <a:t>2024-06-11</a:t>
             </a:fld>
             <a:endParaRPr lang="ko-KR" altLang="en-US"/>
           </a:p>
@@ -2338,7 +2253,7 @@
           <a:p>
             <a:fld id="{C54A8E84-6740-4F5D-A6B4-A31ACA1E9238}" type="datetimeFigureOut">
               <a:rPr lang="ko-KR" altLang="en-US" smtClean="0"/>
-              <a:t>2024-06-06</a:t>
+              <a:t>2024-06-11</a:t>
             </a:fld>
             <a:endParaRPr lang="ko-KR" altLang="en-US"/>
           </a:p>
@@ -2750,7 +2665,7 @@
           <a:p>
             <a:fld id="{C54A8E84-6740-4F5D-A6B4-A31ACA1E9238}" type="datetimeFigureOut">
               <a:rPr lang="ko-KR" altLang="en-US" smtClean="0"/>
-              <a:t>2024-06-06</a:t>
+              <a:t>2024-06-11</a:t>
             </a:fld>
             <a:endParaRPr lang="ko-KR" altLang="en-US"/>
           </a:p>
@@ -2891,7 +2806,7 @@
           <a:p>
             <a:fld id="{C54A8E84-6740-4F5D-A6B4-A31ACA1E9238}" type="datetimeFigureOut">
               <a:rPr lang="ko-KR" altLang="en-US" smtClean="0"/>
-              <a:t>2024-06-06</a:t>
+              <a:t>2024-06-11</a:t>
             </a:fld>
             <a:endParaRPr lang="ko-KR" altLang="en-US"/>
           </a:p>
@@ -3004,7 +2919,7 @@
           <a:p>
             <a:fld id="{C54A8E84-6740-4F5D-A6B4-A31ACA1E9238}" type="datetimeFigureOut">
               <a:rPr lang="ko-KR" altLang="en-US" smtClean="0"/>
-              <a:t>2024-06-06</a:t>
+              <a:t>2024-06-11</a:t>
             </a:fld>
             <a:endParaRPr lang="ko-KR" altLang="en-US"/>
           </a:p>
@@ -3315,7 +3230,7 @@
           <a:p>
             <a:fld id="{C54A8E84-6740-4F5D-A6B4-A31ACA1E9238}" type="datetimeFigureOut">
               <a:rPr lang="ko-KR" altLang="en-US" smtClean="0"/>
-              <a:t>2024-06-06</a:t>
+              <a:t>2024-06-11</a:t>
             </a:fld>
             <a:endParaRPr lang="ko-KR" altLang="en-US"/>
           </a:p>
@@ -3603,7 +3518,7 @@
           <a:p>
             <a:fld id="{C54A8E84-6740-4F5D-A6B4-A31ACA1E9238}" type="datetimeFigureOut">
               <a:rPr lang="ko-KR" altLang="en-US" smtClean="0"/>
-              <a:t>2024-06-06</a:t>
+              <a:t>2024-06-11</a:t>
             </a:fld>
             <a:endParaRPr lang="ko-KR" altLang="en-US"/>
           </a:p>
@@ -3844,7 +3759,7 @@
           <a:p>
             <a:fld id="{C54A8E84-6740-4F5D-A6B4-A31ACA1E9238}" type="datetimeFigureOut">
               <a:rPr lang="ko-KR" altLang="en-US" smtClean="0"/>
-              <a:t>2024-06-06</a:t>
+              <a:t>2024-06-11</a:t>
             </a:fld>
             <a:endParaRPr lang="ko-KR" altLang="en-US"/>
           </a:p>
@@ -4610,7 +4525,7 @@
             <p:ph idx="1"/>
             <p:extLst>
               <p:ext uri="{D42A27DB-BD31-4B8C-83A1-F6EECF244321}">
-                <p14:modId xmlns:p14="http://schemas.microsoft.com/office/powerpoint/2010/main" val="3083746286"/>
+                <p14:modId xmlns:p14="http://schemas.microsoft.com/office/powerpoint/2010/main" val="609104039"/>
               </p:ext>
             </p:extLst>
           </p:nvPr>
@@ -5234,8 +5149,24 @@
                     <a:p>
                       <a:pPr latinLnBrk="1"/>
                       <a:r>
+                        <a:rPr lang="ko-KR" altLang="en-US" dirty="0" err="1"/>
+                        <a:t>텔레그램</a:t>
+                      </a:r>
+                      <a:r>
+                        <a:rPr lang="en-US" altLang="ko-KR" dirty="0"/>
+                        <a:t>: </a:t>
+                      </a:r>
+                      <a:r>
                         <a:rPr lang="ko-KR" altLang="en-US" dirty="0"/>
-                        <a:t>그 외 필요시 새로운 기능 추가</a:t>
+                        <a:t>충전소 상세정보 전송</a:t>
+                      </a:r>
+                      <a:r>
+                        <a:rPr lang="en-US" altLang="ko-KR" dirty="0"/>
+                        <a:t>, </a:t>
+                      </a:r>
+                      <a:r>
+                        <a:rPr lang="ko-KR" altLang="en-US" dirty="0"/>
+                        <a:t>충전소 검색</a:t>
                       </a:r>
                     </a:p>
                   </a:txBody>
@@ -5247,6 +5178,10 @@
                     <a:lstStyle/>
                     <a:p>
                       <a:pPr algn="ctr" latinLnBrk="1"/>
+                      <a:r>
+                        <a:rPr lang="en-US" altLang="ko-KR" b="1" dirty="0"/>
+                        <a:t>100%</a:t>
+                      </a:r>
                       <a:endParaRPr lang="ko-KR" altLang="en-US" b="1" dirty="0"/>
                     </a:p>
                   </a:txBody>
@@ -5321,31 +5256,41 @@
           </a:p>
         </p:txBody>
       </p:sp>
-      <p:sp>
-        <p:nvSpPr>
-          <p:cNvPr id="4" name="내용 개체 틀 3">
-            <a:extLst>
-              <a:ext uri="{FF2B5EF4-FFF2-40B4-BE49-F238E27FC236}">
-                <a16:creationId xmlns:a16="http://schemas.microsoft.com/office/drawing/2014/main" id="{E5B2BBFE-F854-F131-0484-236E1730000C}"/>
-              </a:ext>
-            </a:extLst>
-          </p:cNvPr>
-          <p:cNvSpPr>
-            <a:spLocks noGrp="1"/>
-          </p:cNvSpPr>
+      <p:pic>
+        <p:nvPicPr>
+          <p:cNvPr id="5" name="내용 개체 틀 4" descr="스크린샷, 도표, 라인, 그래프이(가) 표시된 사진&#10;&#10;자동 생성된 설명">
+            <a:extLst>
+              <a:ext uri="{FF2B5EF4-FFF2-40B4-BE49-F238E27FC236}">
+                <a16:creationId xmlns:a16="http://schemas.microsoft.com/office/drawing/2014/main" id="{9EA371A7-BEBE-16E4-1792-8DA0E32CD4D1}"/>
+              </a:ext>
+            </a:extLst>
+          </p:cNvPr>
+          <p:cNvPicPr>
+            <a:picLocks noGrp="1" noChangeAspect="1"/>
+          </p:cNvPicPr>
           <p:nvPr>
             <p:ph idx="1"/>
           </p:nvPr>
-        </p:nvSpPr>
-        <p:spPr/>
-        <p:txBody>
-          <a:bodyPr/>
-          <a:lstStyle/>
-          <a:p>
-            <a:endParaRPr lang="ko-KR" altLang="en-US"/>
-          </a:p>
-        </p:txBody>
-      </p:sp>
+        </p:nvPicPr>
+        <p:blipFill>
+          <a:blip r:embed="rId3">
+            <a:extLst>
+              <a:ext uri="{28A0092B-C50C-407E-A947-70E740481C1C}">
+                <a14:useLocalDpi xmlns:a14="http://schemas.microsoft.com/office/drawing/2010/main" val="0"/>
+              </a:ext>
+            </a:extLst>
+          </a:blip>
+          <a:stretch>
+            <a:fillRect/>
+          </a:stretch>
+        </p:blipFill>
+        <p:spPr>
+          <a:xfrm>
+            <a:off x="2301036" y="1825625"/>
+            <a:ext cx="7589928" cy="4351338"/>
+          </a:xfrm>
+        </p:spPr>
+      </p:pic>
     </p:spTree>
     <p:extLst>
       <p:ext uri="{BB962C8B-B14F-4D97-AF65-F5344CB8AC3E}">
@@ -5404,31 +5349,145 @@
           </a:p>
         </p:txBody>
       </p:sp>
-      <p:sp>
-        <p:nvSpPr>
-          <p:cNvPr id="3" name="내용 개체 틀 2">
-            <a:extLst>
-              <a:ext uri="{FF2B5EF4-FFF2-40B4-BE49-F238E27FC236}">
-                <a16:creationId xmlns:a16="http://schemas.microsoft.com/office/drawing/2014/main" id="{AF28875D-202A-C346-C244-23C6429C6694}"/>
-              </a:ext>
-            </a:extLst>
-          </p:cNvPr>
-          <p:cNvSpPr>
-            <a:spLocks noGrp="1"/>
-          </p:cNvSpPr>
+      <p:pic>
+        <p:nvPicPr>
+          <p:cNvPr id="5" name="내용 개체 틀 4" descr="텍스트, 지도, 폰트, 스크린샷이(가) 표시된 사진&#10;&#10;자동 생성된 설명">
+            <a:extLst>
+              <a:ext uri="{FF2B5EF4-FFF2-40B4-BE49-F238E27FC236}">
+                <a16:creationId xmlns:a16="http://schemas.microsoft.com/office/drawing/2014/main" id="{56755780-7881-DF5C-E7B0-4964C451D732}"/>
+              </a:ext>
+            </a:extLst>
+          </p:cNvPr>
+          <p:cNvPicPr>
+            <a:picLocks noGrp="1" noChangeAspect="1"/>
+          </p:cNvPicPr>
           <p:nvPr>
             <p:ph idx="1"/>
           </p:nvPr>
-        </p:nvSpPr>
-        <p:spPr/>
-        <p:txBody>
-          <a:bodyPr/>
-          <a:lstStyle/>
-          <a:p>
-            <a:endParaRPr lang="ko-KR" altLang="en-US" dirty="0"/>
-          </a:p>
-        </p:txBody>
-      </p:sp>
+        </p:nvPicPr>
+        <p:blipFill rotWithShape="1">
+          <a:blip r:embed="rId3">
+            <a:extLst>
+              <a:ext uri="{28A0092B-C50C-407E-A947-70E740481C1C}">
+                <a14:useLocalDpi xmlns:a14="http://schemas.microsoft.com/office/drawing/2010/main" val="0"/>
+              </a:ext>
+            </a:extLst>
+          </a:blip>
+          <a:srcRect t="49986"/>
+          <a:stretch/>
+        </p:blipFill>
+        <p:spPr>
+          <a:xfrm>
+            <a:off x="6439701" y="3277134"/>
+            <a:ext cx="2893352" cy="3215741"/>
+          </a:xfrm>
+        </p:spPr>
+      </p:pic>
+      <p:pic>
+        <p:nvPicPr>
+          <p:cNvPr id="7" name="그림 6" descr="텍스트, 스크린샷, 폰트, 번호이(가) 표시된 사진&#10;&#10;자동 생성된 설명">
+            <a:extLst>
+              <a:ext uri="{FF2B5EF4-FFF2-40B4-BE49-F238E27FC236}">
+                <a16:creationId xmlns:a16="http://schemas.microsoft.com/office/drawing/2014/main" id="{38188F5F-6BE6-C5ED-C031-1C6C388A903F}"/>
+              </a:ext>
+            </a:extLst>
+          </p:cNvPr>
+          <p:cNvPicPr>
+            <a:picLocks noChangeAspect="1"/>
+          </p:cNvPicPr>
+          <p:nvPr/>
+        </p:nvPicPr>
+        <p:blipFill rotWithShape="1">
+          <a:blip r:embed="rId4">
+            <a:extLst>
+              <a:ext uri="{28A0092B-C50C-407E-A947-70E740481C1C}">
+                <a14:useLocalDpi xmlns:a14="http://schemas.microsoft.com/office/drawing/2010/main" val="0"/>
+              </a:ext>
+            </a:extLst>
+          </a:blip>
+          <a:srcRect t="10827" b="52658"/>
+          <a:stretch/>
+        </p:blipFill>
+        <p:spPr>
+          <a:xfrm>
+            <a:off x="6439701" y="929354"/>
+            <a:ext cx="2893352" cy="2347780"/>
+          </a:xfrm>
+          <a:prstGeom prst="rect">
+            <a:avLst/>
+          </a:prstGeom>
+        </p:spPr>
+      </p:pic>
+      <p:pic>
+        <p:nvPicPr>
+          <p:cNvPr id="9" name="그림 8">
+            <a:extLst>
+              <a:ext uri="{FF2B5EF4-FFF2-40B4-BE49-F238E27FC236}">
+                <a16:creationId xmlns:a16="http://schemas.microsoft.com/office/drawing/2014/main" id="{FBF27530-E360-EFA6-BA49-091AF959A9CB}"/>
+              </a:ext>
+            </a:extLst>
+          </p:cNvPr>
+          <p:cNvPicPr>
+            <a:picLocks noChangeAspect="1"/>
+          </p:cNvPicPr>
+          <p:nvPr/>
+        </p:nvPicPr>
+        <p:blipFill rotWithShape="1">
+          <a:blip r:embed="rId5">
+            <a:extLst>
+              <a:ext uri="{28A0092B-C50C-407E-A947-70E740481C1C}">
+                <a14:useLocalDpi xmlns:a14="http://schemas.microsoft.com/office/drawing/2010/main" val="0"/>
+              </a:ext>
+            </a:extLst>
+          </a:blip>
+          <a:srcRect t="350" b="93073"/>
+          <a:stretch/>
+        </p:blipFill>
+        <p:spPr>
+          <a:xfrm>
+            <a:off x="2858947" y="1219473"/>
+            <a:ext cx="2792783" cy="1635589"/>
+          </a:xfrm>
+          <a:prstGeom prst="rect">
+            <a:avLst/>
+          </a:prstGeom>
+        </p:spPr>
+      </p:pic>
+      <p:pic>
+        <p:nvPicPr>
+          <p:cNvPr id="10" name="그림 9">
+            <a:extLst>
+              <a:ext uri="{FF2B5EF4-FFF2-40B4-BE49-F238E27FC236}">
+                <a16:creationId xmlns:a16="http://schemas.microsoft.com/office/drawing/2014/main" id="{3E78A88B-6B89-DF69-5DC1-EFA10ECD9C0E}"/>
+              </a:ext>
+            </a:extLst>
+          </p:cNvPr>
+          <p:cNvPicPr>
+            <a:picLocks noChangeAspect="1"/>
+          </p:cNvPicPr>
+          <p:nvPr/>
+        </p:nvPicPr>
+        <p:blipFill rotWithShape="1">
+          <a:blip r:embed="rId5">
+            <a:extLst>
+              <a:ext uri="{28A0092B-C50C-407E-A947-70E740481C1C}">
+                <a14:useLocalDpi xmlns:a14="http://schemas.microsoft.com/office/drawing/2010/main" val="0"/>
+              </a:ext>
+            </a:extLst>
+          </a:blip>
+          <a:srcRect t="84864" b="1588"/>
+          <a:stretch/>
+        </p:blipFill>
+        <p:spPr>
+          <a:xfrm>
+            <a:off x="2858947" y="2855062"/>
+            <a:ext cx="2792783" cy="3369357"/>
+          </a:xfrm>
+          <a:prstGeom prst="rect">
+            <a:avLst/>
+          </a:prstGeom>
+        </p:spPr>
+      </p:pic>
     </p:spTree>
     <p:extLst>
       <p:ext uri="{BB962C8B-B14F-4D97-AF65-F5344CB8AC3E}">

--- a/docs/스크립트언어_텀프로젝트_최종발표.pptx
+++ b/docs/스크립트언어_텀프로젝트_최종발표.pptx
@@ -201,7 +201,7 @@
           <a:p>
             <a:fld id="{8CA61F9F-6888-4802-A2C7-1E67DFEB703B}" type="datetimeFigureOut">
               <a:rPr lang="ko-KR" altLang="en-US" smtClean="0"/>
-              <a:t>2024-06-11</a:t>
+              <a:t>2024-06-12</a:t>
             </a:fld>
             <a:endParaRPr lang="ko-KR" altLang="en-US"/>
           </a:p>
@@ -1109,7 +1109,7 @@
           <a:p>
             <a:fld id="{C54A8E84-6740-4F5D-A6B4-A31ACA1E9238}" type="datetimeFigureOut">
               <a:rPr lang="ko-KR" altLang="en-US" smtClean="0"/>
-              <a:t>2024-06-11</a:t>
+              <a:t>2024-06-12</a:t>
             </a:fld>
             <a:endParaRPr lang="ko-KR" altLang="en-US"/>
           </a:p>
@@ -1307,7 +1307,7 @@
           <a:p>
             <a:fld id="{C54A8E84-6740-4F5D-A6B4-A31ACA1E9238}" type="datetimeFigureOut">
               <a:rPr lang="ko-KR" altLang="en-US" smtClean="0"/>
-              <a:t>2024-06-11</a:t>
+              <a:t>2024-06-12</a:t>
             </a:fld>
             <a:endParaRPr lang="ko-KR" altLang="en-US"/>
           </a:p>
@@ -1515,7 +1515,7 @@
           <a:p>
             <a:fld id="{C54A8E84-6740-4F5D-A6B4-A31ACA1E9238}" type="datetimeFigureOut">
               <a:rPr lang="ko-KR" altLang="en-US" smtClean="0"/>
-              <a:t>2024-06-11</a:t>
+              <a:t>2024-06-12</a:t>
             </a:fld>
             <a:endParaRPr lang="ko-KR" altLang="en-US"/>
           </a:p>
@@ -1713,7 +1713,7 @@
           <a:p>
             <a:fld id="{C54A8E84-6740-4F5D-A6B4-A31ACA1E9238}" type="datetimeFigureOut">
               <a:rPr lang="ko-KR" altLang="en-US" smtClean="0"/>
-              <a:t>2024-06-11</a:t>
+              <a:t>2024-06-12</a:t>
             </a:fld>
             <a:endParaRPr lang="ko-KR" altLang="en-US"/>
           </a:p>
@@ -1988,7 +1988,7 @@
           <a:p>
             <a:fld id="{C54A8E84-6740-4F5D-A6B4-A31ACA1E9238}" type="datetimeFigureOut">
               <a:rPr lang="ko-KR" altLang="en-US" smtClean="0"/>
-              <a:t>2024-06-11</a:t>
+              <a:t>2024-06-12</a:t>
             </a:fld>
             <a:endParaRPr lang="ko-KR" altLang="en-US"/>
           </a:p>
@@ -2253,7 +2253,7 @@
           <a:p>
             <a:fld id="{C54A8E84-6740-4F5D-A6B4-A31ACA1E9238}" type="datetimeFigureOut">
               <a:rPr lang="ko-KR" altLang="en-US" smtClean="0"/>
-              <a:t>2024-06-11</a:t>
+              <a:t>2024-06-12</a:t>
             </a:fld>
             <a:endParaRPr lang="ko-KR" altLang="en-US"/>
           </a:p>
@@ -2665,7 +2665,7 @@
           <a:p>
             <a:fld id="{C54A8E84-6740-4F5D-A6B4-A31ACA1E9238}" type="datetimeFigureOut">
               <a:rPr lang="ko-KR" altLang="en-US" smtClean="0"/>
-              <a:t>2024-06-11</a:t>
+              <a:t>2024-06-12</a:t>
             </a:fld>
             <a:endParaRPr lang="ko-KR" altLang="en-US"/>
           </a:p>
@@ -2806,7 +2806,7 @@
           <a:p>
             <a:fld id="{C54A8E84-6740-4F5D-A6B4-A31ACA1E9238}" type="datetimeFigureOut">
               <a:rPr lang="ko-KR" altLang="en-US" smtClean="0"/>
-              <a:t>2024-06-11</a:t>
+              <a:t>2024-06-12</a:t>
             </a:fld>
             <a:endParaRPr lang="ko-KR" altLang="en-US"/>
           </a:p>
@@ -2919,7 +2919,7 @@
           <a:p>
             <a:fld id="{C54A8E84-6740-4F5D-A6B4-A31ACA1E9238}" type="datetimeFigureOut">
               <a:rPr lang="ko-KR" altLang="en-US" smtClean="0"/>
-              <a:t>2024-06-11</a:t>
+              <a:t>2024-06-12</a:t>
             </a:fld>
             <a:endParaRPr lang="ko-KR" altLang="en-US"/>
           </a:p>
@@ -3230,7 +3230,7 @@
           <a:p>
             <a:fld id="{C54A8E84-6740-4F5D-A6B4-A31ACA1E9238}" type="datetimeFigureOut">
               <a:rPr lang="ko-KR" altLang="en-US" smtClean="0"/>
-              <a:t>2024-06-11</a:t>
+              <a:t>2024-06-12</a:t>
             </a:fld>
             <a:endParaRPr lang="ko-KR" altLang="en-US"/>
           </a:p>
@@ -3518,7 +3518,7 @@
           <a:p>
             <a:fld id="{C54A8E84-6740-4F5D-A6B4-A31ACA1E9238}" type="datetimeFigureOut">
               <a:rPr lang="ko-KR" altLang="en-US" smtClean="0"/>
-              <a:t>2024-06-11</a:t>
+              <a:t>2024-06-12</a:t>
             </a:fld>
             <a:endParaRPr lang="ko-KR" altLang="en-US"/>
           </a:p>
@@ -3759,7 +3759,7 @@
           <a:p>
             <a:fld id="{C54A8E84-6740-4F5D-A6B4-A31ACA1E9238}" type="datetimeFigureOut">
               <a:rPr lang="ko-KR" altLang="en-US" smtClean="0"/>
-              <a:t>2024-06-11</a:t>
+              <a:t>2024-06-12</a:t>
             </a:fld>
             <a:endParaRPr lang="ko-KR" altLang="en-US"/>
           </a:p>
@@ -4525,7 +4525,7 @@
             <p:ph idx="1"/>
             <p:extLst>
               <p:ext uri="{D42A27DB-BD31-4B8C-83A1-F6EECF244321}">
-                <p14:modId xmlns:p14="http://schemas.microsoft.com/office/powerpoint/2010/main" val="609104039"/>
+                <p14:modId xmlns:p14="http://schemas.microsoft.com/office/powerpoint/2010/main" val="1225318827"/>
               </p:ext>
             </p:extLst>
           </p:nvPr>
@@ -5168,6 +5168,11 @@
                         <a:rPr lang="ko-KR" altLang="en-US" dirty="0"/>
                         <a:t>충전소 검색</a:t>
                       </a:r>
+                      <a:endParaRPr lang="en-US" altLang="ko-KR" dirty="0"/>
+                    </a:p>
+                    <a:p>
+                      <a:pPr latinLnBrk="1"/>
+                      <a:endParaRPr lang="en-US" altLang="ko-KR" dirty="0"/>
                     </a:p>
                   </a:txBody>
                   <a:tcPr/>
@@ -5258,10 +5263,10 @@
       </p:sp>
       <p:pic>
         <p:nvPicPr>
-          <p:cNvPr id="5" name="내용 개체 틀 4" descr="스크린샷, 도표, 라인, 그래프이(가) 표시된 사진&#10;&#10;자동 생성된 설명">
-            <a:extLst>
-              <a:ext uri="{FF2B5EF4-FFF2-40B4-BE49-F238E27FC236}">
-                <a16:creationId xmlns:a16="http://schemas.microsoft.com/office/drawing/2014/main" id="{9EA371A7-BEBE-16E4-1792-8DA0E32CD4D1}"/>
+          <p:cNvPr id="7" name="내용 개체 틀 6" descr="스크린샷, 도표, 라인, 그래프이(가) 표시된 사진&#10;&#10;자동 생성된 설명">
+            <a:extLst>
+              <a:ext uri="{FF2B5EF4-FFF2-40B4-BE49-F238E27FC236}">
+                <a16:creationId xmlns:a16="http://schemas.microsoft.com/office/drawing/2014/main" id="{1CFAA373-F24A-3127-D417-CEB1480E29D7}"/>
               </a:ext>
             </a:extLst>
           </p:cNvPr>
@@ -5286,8 +5291,8 @@
         </p:blipFill>
         <p:spPr>
           <a:xfrm>
-            <a:off x="2301036" y="1825625"/>
-            <a:ext cx="7589928" cy="4351338"/>
+            <a:off x="2241468" y="1825625"/>
+            <a:ext cx="7709063" cy="4351338"/>
           </a:xfrm>
         </p:spPr>
       </p:pic>

--- a/docs/스크립트언어_텀프로젝트_최종발표.pptx
+++ b/docs/스크립트언어_텀프로젝트_최종발표.pptx
@@ -5,14 +5,15 @@
     <p:sldMasterId id="2147483648" r:id="rId1"/>
   </p:sldMasterIdLst>
   <p:notesMasterIdLst>
-    <p:notesMasterId r:id="rId7"/>
+    <p:notesMasterId r:id="rId8"/>
   </p:notesMasterIdLst>
   <p:sldIdLst>
     <p:sldId id="257" r:id="rId2"/>
     <p:sldId id="266" r:id="rId3"/>
-    <p:sldId id="263" r:id="rId4"/>
-    <p:sldId id="264" r:id="rId5"/>
-    <p:sldId id="265" r:id="rId6"/>
+    <p:sldId id="267" r:id="rId4"/>
+    <p:sldId id="263" r:id="rId5"/>
+    <p:sldId id="264" r:id="rId6"/>
+    <p:sldId id="265" r:id="rId7"/>
   </p:sldIdLst>
   <p:sldSz cx="12192000" cy="6858000"/>
   <p:notesSz cx="6858000" cy="9144000"/>
@@ -724,8 +725,20 @@
           <a:lstStyle/>
           <a:p>
             <a:r>
+              <a:rPr lang="en-US" altLang="ko-KR" dirty="0"/>
+              <a:t>C/C++</a:t>
+            </a:r>
+            <a:r>
               <a:rPr lang="ko-KR" altLang="en-US" dirty="0"/>
-              <a:t>계획했던 사항들은 모두 개발 완료했습니다</a:t>
+              <a:t>연동의 경우 성능적으로 이득이 있을만한 부분 몇 개를 </a:t>
+            </a:r>
+            <a:r>
+              <a:rPr lang="en-US" altLang="ko-KR" dirty="0"/>
+              <a:t>C++</a:t>
+            </a:r>
+            <a:r>
+              <a:rPr lang="ko-KR" altLang="en-US" dirty="0"/>
+              <a:t>로 구현해 보았습니다</a:t>
             </a:r>
             <a:r>
               <a:rPr lang="en-US" altLang="ko-KR" dirty="0"/>
@@ -760,7 +773,7 @@
     </p:spTree>
     <p:extLst>
       <p:ext uri="{BB962C8B-B14F-4D97-AF65-F5344CB8AC3E}">
-        <p14:creationId xmlns:p14="http://schemas.microsoft.com/office/powerpoint/2010/main" val="926786925"/>
+        <p14:creationId xmlns:p14="http://schemas.microsoft.com/office/powerpoint/2010/main" val="1212770374"/>
       </p:ext>
     </p:extLst>
   </p:cSld>
@@ -815,22 +828,10 @@
           <a:lstStyle/>
           <a:p>
             <a:r>
-              <a:rPr lang="ko-KR" altLang="en-US" dirty="0" err="1"/>
-              <a:t>커밋</a:t>
-            </a:r>
-            <a:r>
               <a:rPr lang="ko-KR" altLang="en-US" dirty="0"/>
-              <a:t> 통계는 </a:t>
-            </a:r>
-            <a:r>
-              <a:rPr lang="ko-KR" altLang="en-US" dirty="0" err="1"/>
-              <a:t>이와같습니다</a:t>
-            </a:r>
-            <a:r>
-              <a:rPr lang="en-US" altLang="ko-KR" dirty="0"/>
-              <a:t>.</a:t>
-            </a:r>
-            <a:endParaRPr lang="ko-KR" altLang="en-US" dirty="0"/>
+              <a:t>기존 계획했던 사항들은 모두 개발 완료했고</a:t>
+            </a:r>
+            <a:endParaRPr lang="en-US" altLang="ko-KR" dirty="0"/>
           </a:p>
         </p:txBody>
       </p:sp>
@@ -849,7 +850,7 @@
           <a:bodyPr/>
           <a:lstStyle/>
           <a:p>
-            <a:fld id="{70C66498-A937-4E17-8AB9-436C4B7ED53F}" type="slidenum">
+            <a:fld id="{21B3824B-640F-4EC8-9F9A-0A22BE5F8C36}" type="slidenum">
               <a:rPr lang="ko-KR" altLang="en-US" smtClean="0"/>
               <a:t>4</a:t>
             </a:fld>
@@ -860,7 +861,7 @@
     </p:spTree>
     <p:extLst>
       <p:ext uri="{BB962C8B-B14F-4D97-AF65-F5344CB8AC3E}">
-        <p14:creationId xmlns:p14="http://schemas.microsoft.com/office/powerpoint/2010/main" val="3639783634"/>
+        <p14:creationId xmlns:p14="http://schemas.microsoft.com/office/powerpoint/2010/main" val="926786925"/>
       </p:ext>
     </p:extLst>
   </p:cSld>
@@ -915,14 +916,17 @@
           <a:lstStyle/>
           <a:p>
             <a:r>
+              <a:rPr lang="ko-KR" altLang="en-US" dirty="0" err="1"/>
+              <a:t>커밋</a:t>
+            </a:r>
+            <a:r>
               <a:rPr lang="ko-KR" altLang="en-US" dirty="0"/>
-              <a:t>다음은 시연 영상입니다</a:t>
+              <a:t> 통계는 이와 같습니다</a:t>
             </a:r>
             <a:r>
               <a:rPr lang="en-US" altLang="ko-KR" dirty="0"/>
               <a:t>.</a:t>
             </a:r>
-            <a:endParaRPr lang="ko-KR" altLang="en-US" dirty="0"/>
           </a:p>
         </p:txBody>
       </p:sp>
@@ -944,6 +948,98 @@
             <a:fld id="{70C66498-A937-4E17-8AB9-436C4B7ED53F}" type="slidenum">
               <a:rPr lang="ko-KR" altLang="en-US" smtClean="0"/>
               <a:t>5</a:t>
+            </a:fld>
+            <a:endParaRPr lang="ko-KR" altLang="en-US"/>
+          </a:p>
+        </p:txBody>
+      </p:sp>
+    </p:spTree>
+    <p:extLst>
+      <p:ext uri="{BB962C8B-B14F-4D97-AF65-F5344CB8AC3E}">
+        <p14:creationId xmlns:p14="http://schemas.microsoft.com/office/powerpoint/2010/main" val="3639783634"/>
+      </p:ext>
+    </p:extLst>
+  </p:cSld>
+  <p:clrMapOvr>
+    <a:masterClrMapping/>
+  </p:clrMapOvr>
+</p:notes>
+</file>
+
+<file path=ppt/notesSlides/notesSlide6.xml><?xml version="1.0" encoding="utf-8"?>
+<p:notes xmlns:a="http://schemas.openxmlformats.org/drawingml/2006/main" xmlns:r="http://schemas.openxmlformats.org/officeDocument/2006/relationships" xmlns:p="http://schemas.openxmlformats.org/presentationml/2006/main">
+  <p:cSld>
+    <p:spTree>
+      <p:nvGrpSpPr>
+        <p:cNvPr id="1" name=""/>
+        <p:cNvGrpSpPr/>
+        <p:nvPr/>
+      </p:nvGrpSpPr>
+      <p:grpSpPr>
+        <a:xfrm>
+          <a:off x="0" y="0"/>
+          <a:ext cx="0" cy="0"/>
+          <a:chOff x="0" y="0"/>
+          <a:chExt cx="0" cy="0"/>
+        </a:xfrm>
+      </p:grpSpPr>
+      <p:sp>
+        <p:nvSpPr>
+          <p:cNvPr id="2" name="슬라이드 이미지 개체 틀 1"/>
+          <p:cNvSpPr>
+            <a:spLocks noGrp="1" noRot="1" noChangeAspect="1"/>
+          </p:cNvSpPr>
+          <p:nvPr>
+            <p:ph type="sldImg"/>
+          </p:nvPr>
+        </p:nvSpPr>
+        <p:spPr/>
+      </p:sp>
+      <p:sp>
+        <p:nvSpPr>
+          <p:cNvPr id="3" name="슬라이드 노트 개체 틀 2"/>
+          <p:cNvSpPr>
+            <a:spLocks noGrp="1"/>
+          </p:cNvSpPr>
+          <p:nvPr>
+            <p:ph type="body" idx="1"/>
+          </p:nvPr>
+        </p:nvSpPr>
+        <p:spPr/>
+        <p:txBody>
+          <a:bodyPr/>
+          <a:lstStyle/>
+          <a:p>
+            <a:r>
+              <a:rPr lang="ko-KR" altLang="en-US" dirty="0"/>
+              <a:t>다음은 프로그램 시연 해보도록 하겠습니다</a:t>
+            </a:r>
+            <a:r>
+              <a:rPr lang="en-US" altLang="ko-KR"/>
+              <a:t>.</a:t>
+            </a:r>
+            <a:endParaRPr lang="ko-KR" altLang="en-US" dirty="0"/>
+          </a:p>
+        </p:txBody>
+      </p:sp>
+      <p:sp>
+        <p:nvSpPr>
+          <p:cNvPr id="4" name="슬라이드 번호 개체 틀 3"/>
+          <p:cNvSpPr>
+            <a:spLocks noGrp="1"/>
+          </p:cNvSpPr>
+          <p:nvPr>
+            <p:ph type="sldNum" sz="quarter" idx="5"/>
+          </p:nvPr>
+        </p:nvSpPr>
+        <p:spPr/>
+        <p:txBody>
+          <a:bodyPr/>
+          <a:lstStyle/>
+          <a:p>
+            <a:fld id="{70C66498-A937-4E17-8AB9-436C4B7ED53F}" type="slidenum">
+              <a:rPr lang="ko-KR" altLang="en-US" smtClean="0"/>
+              <a:t>6</a:t>
             </a:fld>
             <a:endParaRPr lang="ko-KR" altLang="en-US"/>
           </a:p>
@@ -4503,6 +4599,173 @@
           <a:lstStyle/>
           <a:p>
             <a:r>
+              <a:rPr lang="en-US" altLang="ko-KR" dirty="0"/>
+              <a:t>C/C++ </a:t>
+            </a:r>
+            <a:r>
+              <a:rPr lang="ko-KR" altLang="en-US" dirty="0"/>
+              <a:t>연동</a:t>
+            </a:r>
+          </a:p>
+        </p:txBody>
+      </p:sp>
+      <p:pic>
+        <p:nvPicPr>
+          <p:cNvPr id="11" name="그림 10" descr="텍스트, 스크린샷, 폰트이(가) 표시된 사진&#10;&#10;자동 생성된 설명">
+            <a:extLst>
+              <a:ext uri="{FF2B5EF4-FFF2-40B4-BE49-F238E27FC236}">
+                <a16:creationId xmlns:a16="http://schemas.microsoft.com/office/drawing/2014/main" id="{35009455-FFC6-BB77-AD77-8230B3C0765C}"/>
+              </a:ext>
+            </a:extLst>
+          </p:cNvPr>
+          <p:cNvPicPr>
+            <a:picLocks noChangeAspect="1"/>
+          </p:cNvPicPr>
+          <p:nvPr/>
+        </p:nvPicPr>
+        <p:blipFill>
+          <a:blip r:embed="rId3">
+            <a:extLst>
+              <a:ext uri="{28A0092B-C50C-407E-A947-70E740481C1C}">
+                <a14:useLocalDpi xmlns:a14="http://schemas.microsoft.com/office/drawing/2010/main" val="0"/>
+              </a:ext>
+            </a:extLst>
+          </a:blip>
+          <a:stretch>
+            <a:fillRect/>
+          </a:stretch>
+        </p:blipFill>
+        <p:spPr>
+          <a:xfrm>
+            <a:off x="496630" y="1862053"/>
+            <a:ext cx="7630590" cy="1752845"/>
+          </a:xfrm>
+          <a:prstGeom prst="rect">
+            <a:avLst/>
+          </a:prstGeom>
+        </p:spPr>
+      </p:pic>
+      <p:pic>
+        <p:nvPicPr>
+          <p:cNvPr id="7" name="내용 개체 틀 6">
+            <a:extLst>
+              <a:ext uri="{FF2B5EF4-FFF2-40B4-BE49-F238E27FC236}">
+                <a16:creationId xmlns:a16="http://schemas.microsoft.com/office/drawing/2014/main" id="{95F4556B-C6E5-717C-CF17-6B013DD28EDB}"/>
+              </a:ext>
+            </a:extLst>
+          </p:cNvPr>
+          <p:cNvPicPr>
+            <a:picLocks noGrp="1" noChangeAspect="1"/>
+          </p:cNvPicPr>
+          <p:nvPr>
+            <p:ph idx="1"/>
+          </p:nvPr>
+        </p:nvPicPr>
+        <p:blipFill rotWithShape="1">
+          <a:blip r:embed="rId4">
+            <a:extLst>
+              <a:ext uri="{28A0092B-C50C-407E-A947-70E740481C1C}">
+                <a14:useLocalDpi xmlns:a14="http://schemas.microsoft.com/office/drawing/2010/main" val="0"/>
+              </a:ext>
+            </a:extLst>
+          </a:blip>
+          <a:srcRect l="2561" r="16700"/>
+          <a:stretch/>
+        </p:blipFill>
+        <p:spPr>
+          <a:xfrm>
+            <a:off x="2197191" y="3789936"/>
+            <a:ext cx="9347885" cy="1230280"/>
+          </a:xfrm>
+        </p:spPr>
+      </p:pic>
+      <p:pic>
+        <p:nvPicPr>
+          <p:cNvPr id="9" name="그림 8" descr="텍스트, 스크린샷, 폰트이(가) 표시된 사진&#10;&#10;자동 생성된 설명">
+            <a:extLst>
+              <a:ext uri="{FF2B5EF4-FFF2-40B4-BE49-F238E27FC236}">
+                <a16:creationId xmlns:a16="http://schemas.microsoft.com/office/drawing/2014/main" id="{308842C3-6EB0-DD42-26D9-4887ADD76EFF}"/>
+              </a:ext>
+            </a:extLst>
+          </p:cNvPr>
+          <p:cNvPicPr>
+            <a:picLocks noChangeAspect="1"/>
+          </p:cNvPicPr>
+          <p:nvPr/>
+        </p:nvPicPr>
+        <p:blipFill rotWithShape="1">
+          <a:blip r:embed="rId5">
+            <a:extLst>
+              <a:ext uri="{28A0092B-C50C-407E-A947-70E740481C1C}">
+                <a14:useLocalDpi xmlns:a14="http://schemas.microsoft.com/office/drawing/2010/main" val="0"/>
+              </a:ext>
+            </a:extLst>
+          </a:blip>
+          <a:srcRect l="1778" r="18183"/>
+          <a:stretch/>
+        </p:blipFill>
+        <p:spPr>
+          <a:xfrm>
+            <a:off x="2197190" y="5020216"/>
+            <a:ext cx="9347887" cy="1505160"/>
+          </a:xfrm>
+          <a:prstGeom prst="rect">
+            <a:avLst/>
+          </a:prstGeom>
+        </p:spPr>
+      </p:pic>
+    </p:spTree>
+    <p:extLst>
+      <p:ext uri="{BB962C8B-B14F-4D97-AF65-F5344CB8AC3E}">
+        <p14:creationId xmlns:p14="http://schemas.microsoft.com/office/powerpoint/2010/main" val="3433944342"/>
+      </p:ext>
+    </p:extLst>
+  </p:cSld>
+  <p:clrMapOvr>
+    <a:masterClrMapping/>
+  </p:clrMapOvr>
+</p:sld>
+</file>
+
+<file path=ppt/slides/slide4.xml><?xml version="1.0" encoding="utf-8"?>
+<p:sld xmlns:a="http://schemas.openxmlformats.org/drawingml/2006/main" xmlns:r="http://schemas.openxmlformats.org/officeDocument/2006/relationships" xmlns:p="http://schemas.openxmlformats.org/presentationml/2006/main">
+  <p:cSld>
+    <p:spTree>
+      <p:nvGrpSpPr>
+        <p:cNvPr id="1" name=""/>
+        <p:cNvGrpSpPr/>
+        <p:nvPr/>
+      </p:nvGrpSpPr>
+      <p:grpSpPr>
+        <a:xfrm>
+          <a:off x="0" y="0"/>
+          <a:ext cx="0" cy="0"/>
+          <a:chOff x="0" y="0"/>
+          <a:chExt cx="0" cy="0"/>
+        </a:xfrm>
+      </p:grpSpPr>
+      <p:sp>
+        <p:nvSpPr>
+          <p:cNvPr id="2" name="제목 1">
+            <a:extLst>
+              <a:ext uri="{FF2B5EF4-FFF2-40B4-BE49-F238E27FC236}">
+                <a16:creationId xmlns:a16="http://schemas.microsoft.com/office/drawing/2014/main" id="{449E2F91-BC41-D362-2E01-338079967FD0}"/>
+              </a:ext>
+            </a:extLst>
+          </p:cNvPr>
+          <p:cNvSpPr>
+            <a:spLocks noGrp="1"/>
+          </p:cNvSpPr>
+          <p:nvPr>
+            <p:ph type="title"/>
+          </p:nvPr>
+        </p:nvSpPr>
+        <p:spPr/>
+        <p:txBody>
+          <a:bodyPr/>
+          <a:lstStyle/>
+          <a:p>
+            <a:r>
               <a:rPr lang="ko-KR" altLang="en-US" dirty="0"/>
               <a:t>개발진행상황</a:t>
             </a:r>
@@ -5215,7 +5478,7 @@
 </p:sld>
 </file>
 
-<file path=ppt/slides/slide4.xml><?xml version="1.0" encoding="utf-8"?>
+<file path=ppt/slides/slide5.xml><?xml version="1.0" encoding="utf-8"?>
 <p:sld xmlns:a="http://schemas.openxmlformats.org/drawingml/2006/main" xmlns:r="http://schemas.openxmlformats.org/officeDocument/2006/relationships" xmlns:p="http://schemas.openxmlformats.org/presentationml/2006/main">
   <p:cSld>
     <p:spTree>
@@ -5309,7 +5572,7 @@
 </p:sld>
 </file>
 
-<file path=ppt/slides/slide5.xml><?xml version="1.0" encoding="utf-8"?>
+<file path=ppt/slides/slide6.xml><?xml version="1.0" encoding="utf-8"?>
 <p:sld xmlns:a="http://schemas.openxmlformats.org/drawingml/2006/main" xmlns:r="http://schemas.openxmlformats.org/officeDocument/2006/relationships" xmlns:p="http://schemas.openxmlformats.org/presentationml/2006/main">
   <p:cSld>
     <p:spTree>
